--- a/Presentation2.pptx
+++ b/Presentation2.pptx
@@ -340,7 +340,7 @@
           <a:p>
             <a:fld id="{CE197DB0-98D6-4128-BECA-542EE657443B}" type="datetimeFigureOut">
               <a:rPr lang="en-US" smtClean="0"/>
-              <a:t>10/19/2016</a:t>
+              <a:t>6/22/2017</a:t>
             </a:fld>
             <a:endParaRPr lang="en-US"/>
           </a:p>
@@ -608,6 +608,2018 @@
 </p:notesMaster>
 </file>
 
+<file path=ppt/notesSlides/notesSlide1.xml><?xml version="1.0" encoding="utf-8"?>
+<p:notes xmlns:a="http://schemas.openxmlformats.org/drawingml/2006/main" xmlns:r="http://schemas.openxmlformats.org/officeDocument/2006/relationships" xmlns:p="http://schemas.openxmlformats.org/presentationml/2006/main">
+  <p:cSld>
+    <p:spTree>
+      <p:nvGrpSpPr>
+        <p:cNvPr id="1" name=""/>
+        <p:cNvGrpSpPr/>
+        <p:nvPr/>
+      </p:nvGrpSpPr>
+      <p:grpSpPr>
+        <a:xfrm>
+          <a:off x="0" y="0"/>
+          <a:ext cx="0" cy="0"/>
+          <a:chOff x="0" y="0"/>
+          <a:chExt cx="0" cy="0"/>
+        </a:xfrm>
+      </p:grpSpPr>
+      <p:sp>
+        <p:nvSpPr>
+          <p:cNvPr id="2" name="Slide Image Placeholder 1"/>
+          <p:cNvSpPr>
+            <a:spLocks noGrp="1" noRot="1" noChangeAspect="1"/>
+          </p:cNvSpPr>
+          <p:nvPr>
+            <p:ph type="sldImg"/>
+          </p:nvPr>
+        </p:nvSpPr>
+        <p:spPr/>
+      </p:sp>
+      <p:sp>
+        <p:nvSpPr>
+          <p:cNvPr id="3" name="Notes Placeholder 2"/>
+          <p:cNvSpPr>
+            <a:spLocks noGrp="1"/>
+          </p:cNvSpPr>
+          <p:nvPr>
+            <p:ph type="body" idx="1"/>
+          </p:nvPr>
+        </p:nvSpPr>
+        <p:spPr/>
+        <p:txBody>
+          <a:bodyPr/>
+          <a:lstStyle/>
+          <a:p>
+            <a:endParaRPr lang="en-US" dirty="0"/>
+          </a:p>
+        </p:txBody>
+      </p:sp>
+      <p:sp>
+        <p:nvSpPr>
+          <p:cNvPr id="4" name="Slide Number Placeholder 3"/>
+          <p:cNvSpPr>
+            <a:spLocks noGrp="1"/>
+          </p:cNvSpPr>
+          <p:nvPr>
+            <p:ph type="sldNum" sz="quarter" idx="10"/>
+          </p:nvPr>
+        </p:nvSpPr>
+        <p:spPr/>
+        <p:txBody>
+          <a:bodyPr/>
+          <a:lstStyle/>
+          <a:p>
+            <a:fld id="{FD2A2BEA-8C9D-497D-B359-4F5918B159B1}" type="slidenum">
+              <a:rPr lang="en-US" smtClean="0"/>
+              <a:t>1</a:t>
+            </a:fld>
+            <a:endParaRPr lang="en-US"/>
+          </a:p>
+        </p:txBody>
+      </p:sp>
+    </p:spTree>
+    <p:extLst>
+      <p:ext uri="{BB962C8B-B14F-4D97-AF65-F5344CB8AC3E}">
+        <p14:creationId xmlns:p14="http://schemas.microsoft.com/office/powerpoint/2010/main" val="1899962926"/>
+      </p:ext>
+    </p:extLst>
+  </p:cSld>
+  <p:clrMapOvr>
+    <a:masterClrMapping/>
+  </p:clrMapOvr>
+</p:notes>
+</file>
+
+<file path=ppt/notesSlides/notesSlide10.xml><?xml version="1.0" encoding="utf-8"?>
+<p:notes xmlns:a="http://schemas.openxmlformats.org/drawingml/2006/main" xmlns:r="http://schemas.openxmlformats.org/officeDocument/2006/relationships" xmlns:p="http://schemas.openxmlformats.org/presentationml/2006/main">
+  <p:cSld>
+    <p:spTree>
+      <p:nvGrpSpPr>
+        <p:cNvPr id="1" name=""/>
+        <p:cNvGrpSpPr/>
+        <p:nvPr/>
+      </p:nvGrpSpPr>
+      <p:grpSpPr>
+        <a:xfrm>
+          <a:off x="0" y="0"/>
+          <a:ext cx="0" cy="0"/>
+          <a:chOff x="0" y="0"/>
+          <a:chExt cx="0" cy="0"/>
+        </a:xfrm>
+      </p:grpSpPr>
+      <p:sp>
+        <p:nvSpPr>
+          <p:cNvPr id="2" name="Slide Image Placeholder 1"/>
+          <p:cNvSpPr>
+            <a:spLocks noGrp="1" noRot="1" noChangeAspect="1"/>
+          </p:cNvSpPr>
+          <p:nvPr>
+            <p:ph type="sldImg"/>
+          </p:nvPr>
+        </p:nvSpPr>
+        <p:spPr/>
+      </p:sp>
+      <p:sp>
+        <p:nvSpPr>
+          <p:cNvPr id="3" name="Notes Placeholder 2"/>
+          <p:cNvSpPr>
+            <a:spLocks noGrp="1"/>
+          </p:cNvSpPr>
+          <p:nvPr>
+            <p:ph type="body" idx="1"/>
+          </p:nvPr>
+        </p:nvSpPr>
+        <p:spPr/>
+        <p:txBody>
+          <a:bodyPr/>
+          <a:lstStyle/>
+          <a:p>
+            <a:r>
+              <a:rPr lang="en-US" dirty="0" smtClean="0"/>
+              <a:t>Now this drug passage also happens</a:t>
+            </a:r>
+            <a:r>
+              <a:rPr lang="en-US" baseline="0" dirty="0" smtClean="0"/>
+              <a:t> </a:t>
+            </a:r>
+            <a:r>
+              <a:rPr lang="en-US" baseline="0" dirty="0" err="1" smtClean="0"/>
+              <a:t>ijn</a:t>
+            </a:r>
+            <a:r>
+              <a:rPr lang="en-US" baseline="0" dirty="0" smtClean="0"/>
+              <a:t> 2 ways – Active Transport &amp; Passive Transport.</a:t>
+            </a:r>
+            <a:endParaRPr lang="en-US" dirty="0"/>
+          </a:p>
+        </p:txBody>
+      </p:sp>
+      <p:sp>
+        <p:nvSpPr>
+          <p:cNvPr id="4" name="Slide Number Placeholder 3"/>
+          <p:cNvSpPr>
+            <a:spLocks noGrp="1"/>
+          </p:cNvSpPr>
+          <p:nvPr>
+            <p:ph type="sldNum" sz="quarter" idx="10"/>
+          </p:nvPr>
+        </p:nvSpPr>
+        <p:spPr/>
+        <p:txBody>
+          <a:bodyPr/>
+          <a:lstStyle/>
+          <a:p>
+            <a:fld id="{FD2A2BEA-8C9D-497D-B359-4F5918B159B1}" type="slidenum">
+              <a:rPr lang="en-US" smtClean="0"/>
+              <a:t>19</a:t>
+            </a:fld>
+            <a:endParaRPr lang="en-US"/>
+          </a:p>
+        </p:txBody>
+      </p:sp>
+    </p:spTree>
+    <p:extLst>
+      <p:ext uri="{BB962C8B-B14F-4D97-AF65-F5344CB8AC3E}">
+        <p14:creationId xmlns:p14="http://schemas.microsoft.com/office/powerpoint/2010/main" val="872108232"/>
+      </p:ext>
+    </p:extLst>
+  </p:cSld>
+  <p:clrMapOvr>
+    <a:masterClrMapping/>
+  </p:clrMapOvr>
+</p:notes>
+</file>
+
+<file path=ppt/notesSlides/notesSlide11.xml><?xml version="1.0" encoding="utf-8"?>
+<p:notes xmlns:a="http://schemas.openxmlformats.org/drawingml/2006/main" xmlns:r="http://schemas.openxmlformats.org/officeDocument/2006/relationships" xmlns:p="http://schemas.openxmlformats.org/presentationml/2006/main">
+  <p:cSld>
+    <p:spTree>
+      <p:nvGrpSpPr>
+        <p:cNvPr id="1" name=""/>
+        <p:cNvGrpSpPr/>
+        <p:nvPr/>
+      </p:nvGrpSpPr>
+      <p:grpSpPr>
+        <a:xfrm>
+          <a:off x="0" y="0"/>
+          <a:ext cx="0" cy="0"/>
+          <a:chOff x="0" y="0"/>
+          <a:chExt cx="0" cy="0"/>
+        </a:xfrm>
+      </p:grpSpPr>
+      <p:sp>
+        <p:nvSpPr>
+          <p:cNvPr id="2" name="Slide Image Placeholder 1"/>
+          <p:cNvSpPr>
+            <a:spLocks noGrp="1" noRot="1" noChangeAspect="1"/>
+          </p:cNvSpPr>
+          <p:nvPr>
+            <p:ph type="sldImg"/>
+          </p:nvPr>
+        </p:nvSpPr>
+        <p:spPr/>
+      </p:sp>
+      <p:sp>
+        <p:nvSpPr>
+          <p:cNvPr id="3" name="Notes Placeholder 2"/>
+          <p:cNvSpPr>
+            <a:spLocks noGrp="1"/>
+          </p:cNvSpPr>
+          <p:nvPr>
+            <p:ph type="body" idx="1"/>
+          </p:nvPr>
+        </p:nvSpPr>
+        <p:spPr/>
+        <p:txBody>
+          <a:bodyPr/>
+          <a:lstStyle/>
+          <a:p>
+            <a:r>
+              <a:rPr lang="en-US" dirty="0" smtClean="0"/>
+              <a:t>Now drug passage also depends on the pH of the drug as well which is mentioned in this slide. </a:t>
+            </a:r>
+            <a:endParaRPr lang="en-US" dirty="0"/>
+          </a:p>
+        </p:txBody>
+      </p:sp>
+      <p:sp>
+        <p:nvSpPr>
+          <p:cNvPr id="4" name="Slide Number Placeholder 3"/>
+          <p:cNvSpPr>
+            <a:spLocks noGrp="1"/>
+          </p:cNvSpPr>
+          <p:nvPr>
+            <p:ph type="sldNum" sz="quarter" idx="10"/>
+          </p:nvPr>
+        </p:nvSpPr>
+        <p:spPr/>
+        <p:txBody>
+          <a:bodyPr/>
+          <a:lstStyle/>
+          <a:p>
+            <a:fld id="{FD2A2BEA-8C9D-497D-B359-4F5918B159B1}" type="slidenum">
+              <a:rPr lang="en-US" smtClean="0"/>
+              <a:t>21</a:t>
+            </a:fld>
+            <a:endParaRPr lang="en-US"/>
+          </a:p>
+        </p:txBody>
+      </p:sp>
+    </p:spTree>
+    <p:extLst>
+      <p:ext uri="{BB962C8B-B14F-4D97-AF65-F5344CB8AC3E}">
+        <p14:creationId xmlns:p14="http://schemas.microsoft.com/office/powerpoint/2010/main" val="155883518"/>
+      </p:ext>
+    </p:extLst>
+  </p:cSld>
+  <p:clrMapOvr>
+    <a:masterClrMapping/>
+  </p:clrMapOvr>
+</p:notes>
+</file>
+
+<file path=ppt/notesSlides/notesSlide12.xml><?xml version="1.0" encoding="utf-8"?>
+<p:notes xmlns:a="http://schemas.openxmlformats.org/drawingml/2006/main" xmlns:r="http://schemas.openxmlformats.org/officeDocument/2006/relationships" xmlns:p="http://schemas.openxmlformats.org/presentationml/2006/main">
+  <p:cSld>
+    <p:spTree>
+      <p:nvGrpSpPr>
+        <p:cNvPr id="1" name=""/>
+        <p:cNvGrpSpPr/>
+        <p:nvPr/>
+      </p:nvGrpSpPr>
+      <p:grpSpPr>
+        <a:xfrm>
+          <a:off x="0" y="0"/>
+          <a:ext cx="0" cy="0"/>
+          <a:chOff x="0" y="0"/>
+          <a:chExt cx="0" cy="0"/>
+        </a:xfrm>
+      </p:grpSpPr>
+      <p:sp>
+        <p:nvSpPr>
+          <p:cNvPr id="2" name="Slide Image Placeholder 1"/>
+          <p:cNvSpPr>
+            <a:spLocks noGrp="1" noRot="1" noChangeAspect="1"/>
+          </p:cNvSpPr>
+          <p:nvPr>
+            <p:ph type="sldImg"/>
+          </p:nvPr>
+        </p:nvSpPr>
+        <p:spPr/>
+      </p:sp>
+      <p:sp>
+        <p:nvSpPr>
+          <p:cNvPr id="3" name="Notes Placeholder 2"/>
+          <p:cNvSpPr>
+            <a:spLocks noGrp="1"/>
+          </p:cNvSpPr>
+          <p:nvPr>
+            <p:ph type="body" idx="1"/>
+          </p:nvPr>
+        </p:nvSpPr>
+        <p:spPr/>
+        <p:txBody>
+          <a:bodyPr/>
+          <a:lstStyle/>
+          <a:p>
+            <a:r>
+              <a:rPr lang="en-US" dirty="0" smtClean="0"/>
+              <a:t>Now, the most important factor is Bioavailability</a:t>
+            </a:r>
+            <a:r>
+              <a:rPr lang="en-US" baseline="0" dirty="0" smtClean="0"/>
+              <a:t> in studying any drug.</a:t>
+            </a:r>
+            <a:endParaRPr lang="en-US" dirty="0"/>
+          </a:p>
+        </p:txBody>
+      </p:sp>
+      <p:sp>
+        <p:nvSpPr>
+          <p:cNvPr id="4" name="Slide Number Placeholder 3"/>
+          <p:cNvSpPr>
+            <a:spLocks noGrp="1"/>
+          </p:cNvSpPr>
+          <p:nvPr>
+            <p:ph type="sldNum" sz="quarter" idx="10"/>
+          </p:nvPr>
+        </p:nvSpPr>
+        <p:spPr/>
+        <p:txBody>
+          <a:bodyPr/>
+          <a:lstStyle/>
+          <a:p>
+            <a:fld id="{FD2A2BEA-8C9D-497D-B359-4F5918B159B1}" type="slidenum">
+              <a:rPr lang="en-US" smtClean="0"/>
+              <a:t>22</a:t>
+            </a:fld>
+            <a:endParaRPr lang="en-US"/>
+          </a:p>
+        </p:txBody>
+      </p:sp>
+    </p:spTree>
+    <p:extLst>
+      <p:ext uri="{BB962C8B-B14F-4D97-AF65-F5344CB8AC3E}">
+        <p14:creationId xmlns:p14="http://schemas.microsoft.com/office/powerpoint/2010/main" val="2391723115"/>
+      </p:ext>
+    </p:extLst>
+  </p:cSld>
+  <p:clrMapOvr>
+    <a:masterClrMapping/>
+  </p:clrMapOvr>
+</p:notes>
+</file>
+
+<file path=ppt/notesSlides/notesSlide13.xml><?xml version="1.0" encoding="utf-8"?>
+<p:notes xmlns:a="http://schemas.openxmlformats.org/drawingml/2006/main" xmlns:r="http://schemas.openxmlformats.org/officeDocument/2006/relationships" xmlns:p="http://schemas.openxmlformats.org/presentationml/2006/main">
+  <p:cSld>
+    <p:spTree>
+      <p:nvGrpSpPr>
+        <p:cNvPr id="1" name=""/>
+        <p:cNvGrpSpPr/>
+        <p:nvPr/>
+      </p:nvGrpSpPr>
+      <p:grpSpPr>
+        <a:xfrm>
+          <a:off x="0" y="0"/>
+          <a:ext cx="0" cy="0"/>
+          <a:chOff x="0" y="0"/>
+          <a:chExt cx="0" cy="0"/>
+        </a:xfrm>
+      </p:grpSpPr>
+      <p:sp>
+        <p:nvSpPr>
+          <p:cNvPr id="2" name="Slide Image Placeholder 1"/>
+          <p:cNvSpPr>
+            <a:spLocks noGrp="1" noRot="1" noChangeAspect="1"/>
+          </p:cNvSpPr>
+          <p:nvPr>
+            <p:ph type="sldImg"/>
+          </p:nvPr>
+        </p:nvSpPr>
+        <p:spPr/>
+      </p:sp>
+      <p:sp>
+        <p:nvSpPr>
+          <p:cNvPr id="3" name="Notes Placeholder 2"/>
+          <p:cNvSpPr>
+            <a:spLocks noGrp="1"/>
+          </p:cNvSpPr>
+          <p:nvPr>
+            <p:ph type="body" idx="1"/>
+          </p:nvPr>
+        </p:nvSpPr>
+        <p:spPr/>
+        <p:txBody>
+          <a:bodyPr/>
+          <a:lstStyle/>
+          <a:p>
+            <a:r>
+              <a:rPr lang="en-US" dirty="0" smtClean="0"/>
+              <a:t>Drug distribution helps to reach the target tissues of body and that is influenced by 3 things – Protein Binding , Drug Metabolism &amp; Hepatic First Pass Effect.</a:t>
+            </a:r>
+            <a:endParaRPr lang="en-US" dirty="0"/>
+          </a:p>
+        </p:txBody>
+      </p:sp>
+      <p:sp>
+        <p:nvSpPr>
+          <p:cNvPr id="4" name="Slide Number Placeholder 3"/>
+          <p:cNvSpPr>
+            <a:spLocks noGrp="1"/>
+          </p:cNvSpPr>
+          <p:nvPr>
+            <p:ph type="sldNum" sz="quarter" idx="10"/>
+          </p:nvPr>
+        </p:nvSpPr>
+        <p:spPr/>
+        <p:txBody>
+          <a:bodyPr/>
+          <a:lstStyle/>
+          <a:p>
+            <a:fld id="{FD2A2BEA-8C9D-497D-B359-4F5918B159B1}" type="slidenum">
+              <a:rPr lang="en-US" smtClean="0"/>
+              <a:t>24</a:t>
+            </a:fld>
+            <a:endParaRPr lang="en-US"/>
+          </a:p>
+        </p:txBody>
+      </p:sp>
+    </p:spTree>
+    <p:extLst>
+      <p:ext uri="{BB962C8B-B14F-4D97-AF65-F5344CB8AC3E}">
+        <p14:creationId xmlns:p14="http://schemas.microsoft.com/office/powerpoint/2010/main" val="3989917714"/>
+      </p:ext>
+    </p:extLst>
+  </p:cSld>
+  <p:clrMapOvr>
+    <a:masterClrMapping/>
+  </p:clrMapOvr>
+</p:notes>
+</file>
+
+<file path=ppt/notesSlides/notesSlide14.xml><?xml version="1.0" encoding="utf-8"?>
+<p:notes xmlns:a="http://schemas.openxmlformats.org/drawingml/2006/main" xmlns:r="http://schemas.openxmlformats.org/officeDocument/2006/relationships" xmlns:p="http://schemas.openxmlformats.org/presentationml/2006/main">
+  <p:cSld>
+    <p:spTree>
+      <p:nvGrpSpPr>
+        <p:cNvPr id="1" name=""/>
+        <p:cNvGrpSpPr/>
+        <p:nvPr/>
+      </p:nvGrpSpPr>
+      <p:grpSpPr>
+        <a:xfrm>
+          <a:off x="0" y="0"/>
+          <a:ext cx="0" cy="0"/>
+          <a:chOff x="0" y="0"/>
+          <a:chExt cx="0" cy="0"/>
+        </a:xfrm>
+      </p:grpSpPr>
+      <p:sp>
+        <p:nvSpPr>
+          <p:cNvPr id="2" name="Slide Image Placeholder 1"/>
+          <p:cNvSpPr>
+            <a:spLocks noGrp="1" noRot="1" noChangeAspect="1"/>
+          </p:cNvSpPr>
+          <p:nvPr>
+            <p:ph type="sldImg"/>
+          </p:nvPr>
+        </p:nvSpPr>
+        <p:spPr/>
+      </p:sp>
+      <p:sp>
+        <p:nvSpPr>
+          <p:cNvPr id="3" name="Notes Placeholder 2"/>
+          <p:cNvSpPr>
+            <a:spLocks noGrp="1"/>
+          </p:cNvSpPr>
+          <p:nvPr>
+            <p:ph type="body" idx="1"/>
+          </p:nvPr>
+        </p:nvSpPr>
+        <p:spPr/>
+        <p:txBody>
+          <a:bodyPr/>
+          <a:lstStyle/>
+          <a:p>
+            <a:r>
+              <a:rPr lang="en-US" dirty="0" smtClean="0"/>
+              <a:t>Elimination of the drug happens through 4 routes ,- Kidneys , Bile, </a:t>
+            </a:r>
+            <a:r>
+              <a:rPr lang="en-US" dirty="0" err="1" smtClean="0"/>
+              <a:t>Feaces</a:t>
+            </a:r>
+            <a:r>
+              <a:rPr lang="en-US" dirty="0" smtClean="0"/>
+              <a:t> &amp; Breast Milk.</a:t>
+            </a:r>
+            <a:endParaRPr lang="en-US" dirty="0"/>
+          </a:p>
+        </p:txBody>
+      </p:sp>
+      <p:sp>
+        <p:nvSpPr>
+          <p:cNvPr id="4" name="Slide Number Placeholder 3"/>
+          <p:cNvSpPr>
+            <a:spLocks noGrp="1"/>
+          </p:cNvSpPr>
+          <p:nvPr>
+            <p:ph type="sldNum" sz="quarter" idx="10"/>
+          </p:nvPr>
+        </p:nvSpPr>
+        <p:spPr/>
+        <p:txBody>
+          <a:bodyPr/>
+          <a:lstStyle/>
+          <a:p>
+            <a:fld id="{FD2A2BEA-8C9D-497D-B359-4F5918B159B1}" type="slidenum">
+              <a:rPr lang="en-US" smtClean="0"/>
+              <a:t>28</a:t>
+            </a:fld>
+            <a:endParaRPr lang="en-US"/>
+          </a:p>
+        </p:txBody>
+      </p:sp>
+    </p:spTree>
+    <p:extLst>
+      <p:ext uri="{BB962C8B-B14F-4D97-AF65-F5344CB8AC3E}">
+        <p14:creationId xmlns:p14="http://schemas.microsoft.com/office/powerpoint/2010/main" val="3439603259"/>
+      </p:ext>
+    </p:extLst>
+  </p:cSld>
+  <p:clrMapOvr>
+    <a:masterClrMapping/>
+  </p:clrMapOvr>
+</p:notes>
+</file>
+
+<file path=ppt/notesSlides/notesSlide15.xml><?xml version="1.0" encoding="utf-8"?>
+<p:notes xmlns:a="http://schemas.openxmlformats.org/drawingml/2006/main" xmlns:r="http://schemas.openxmlformats.org/officeDocument/2006/relationships" xmlns:p="http://schemas.openxmlformats.org/presentationml/2006/main">
+  <p:cSld>
+    <p:spTree>
+      <p:nvGrpSpPr>
+        <p:cNvPr id="1" name=""/>
+        <p:cNvGrpSpPr/>
+        <p:nvPr/>
+      </p:nvGrpSpPr>
+      <p:grpSpPr>
+        <a:xfrm>
+          <a:off x="0" y="0"/>
+          <a:ext cx="0" cy="0"/>
+          <a:chOff x="0" y="0"/>
+          <a:chExt cx="0" cy="0"/>
+        </a:xfrm>
+      </p:grpSpPr>
+      <p:sp>
+        <p:nvSpPr>
+          <p:cNvPr id="2" name="Slide Image Placeholder 1"/>
+          <p:cNvSpPr>
+            <a:spLocks noGrp="1" noRot="1" noChangeAspect="1"/>
+          </p:cNvSpPr>
+          <p:nvPr>
+            <p:ph type="sldImg"/>
+          </p:nvPr>
+        </p:nvSpPr>
+        <p:spPr/>
+      </p:sp>
+      <p:sp>
+        <p:nvSpPr>
+          <p:cNvPr id="3" name="Notes Placeholder 2"/>
+          <p:cNvSpPr>
+            <a:spLocks noGrp="1"/>
+          </p:cNvSpPr>
+          <p:nvPr>
+            <p:ph type="body" idx="1"/>
+          </p:nvPr>
+        </p:nvSpPr>
+        <p:spPr/>
+        <p:txBody>
+          <a:bodyPr/>
+          <a:lstStyle/>
+          <a:p>
+            <a:r>
+              <a:rPr lang="en-US" dirty="0" smtClean="0"/>
+              <a:t>Plasma half-life for a drug regulates the </a:t>
+            </a:r>
+            <a:r>
+              <a:rPr lang="en-US" dirty="0" err="1" smtClean="0"/>
+              <a:t>bioavalability</a:t>
+            </a:r>
+            <a:r>
+              <a:rPr lang="en-US" dirty="0" smtClean="0"/>
+              <a:t> of the drug and its duration.</a:t>
+            </a:r>
+            <a:endParaRPr lang="en-US" dirty="0"/>
+          </a:p>
+        </p:txBody>
+      </p:sp>
+      <p:sp>
+        <p:nvSpPr>
+          <p:cNvPr id="4" name="Slide Number Placeholder 3"/>
+          <p:cNvSpPr>
+            <a:spLocks noGrp="1"/>
+          </p:cNvSpPr>
+          <p:nvPr>
+            <p:ph type="sldNum" sz="quarter" idx="10"/>
+          </p:nvPr>
+        </p:nvSpPr>
+        <p:spPr/>
+        <p:txBody>
+          <a:bodyPr/>
+          <a:lstStyle/>
+          <a:p>
+            <a:fld id="{FD2A2BEA-8C9D-497D-B359-4F5918B159B1}" type="slidenum">
+              <a:rPr lang="en-US" smtClean="0"/>
+              <a:t>31</a:t>
+            </a:fld>
+            <a:endParaRPr lang="en-US"/>
+          </a:p>
+        </p:txBody>
+      </p:sp>
+    </p:spTree>
+    <p:extLst>
+      <p:ext uri="{BB962C8B-B14F-4D97-AF65-F5344CB8AC3E}">
+        <p14:creationId xmlns:p14="http://schemas.microsoft.com/office/powerpoint/2010/main" val="1275107231"/>
+      </p:ext>
+    </p:extLst>
+  </p:cSld>
+  <p:clrMapOvr>
+    <a:masterClrMapping/>
+  </p:clrMapOvr>
+</p:notes>
+</file>
+
+<file path=ppt/notesSlides/notesSlide16.xml><?xml version="1.0" encoding="utf-8"?>
+<p:notes xmlns:a="http://schemas.openxmlformats.org/drawingml/2006/main" xmlns:r="http://schemas.openxmlformats.org/officeDocument/2006/relationships" xmlns:p="http://schemas.openxmlformats.org/presentationml/2006/main">
+  <p:cSld>
+    <p:spTree>
+      <p:nvGrpSpPr>
+        <p:cNvPr id="1" name=""/>
+        <p:cNvGrpSpPr/>
+        <p:nvPr/>
+      </p:nvGrpSpPr>
+      <p:grpSpPr>
+        <a:xfrm>
+          <a:off x="0" y="0"/>
+          <a:ext cx="0" cy="0"/>
+          <a:chOff x="0" y="0"/>
+          <a:chExt cx="0" cy="0"/>
+        </a:xfrm>
+      </p:grpSpPr>
+      <p:sp>
+        <p:nvSpPr>
+          <p:cNvPr id="2" name="Slide Image Placeholder 1"/>
+          <p:cNvSpPr>
+            <a:spLocks noGrp="1" noRot="1" noChangeAspect="1"/>
+          </p:cNvSpPr>
+          <p:nvPr>
+            <p:ph type="sldImg"/>
+          </p:nvPr>
+        </p:nvSpPr>
+        <p:spPr/>
+      </p:sp>
+      <p:sp>
+        <p:nvSpPr>
+          <p:cNvPr id="3" name="Notes Placeholder 2"/>
+          <p:cNvSpPr>
+            <a:spLocks noGrp="1"/>
+          </p:cNvSpPr>
+          <p:nvPr>
+            <p:ph type="body" idx="1"/>
+          </p:nvPr>
+        </p:nvSpPr>
+        <p:spPr/>
+        <p:txBody>
+          <a:bodyPr/>
+          <a:lstStyle/>
+          <a:p>
+            <a:r>
+              <a:rPr lang="en-US" dirty="0" smtClean="0"/>
+              <a:t>Lets</a:t>
+            </a:r>
+            <a:r>
+              <a:rPr lang="en-US" baseline="0" dirty="0" smtClean="0"/>
+              <a:t> understand that </a:t>
+            </a:r>
+            <a:r>
+              <a:rPr lang="en-US" dirty="0" smtClean="0"/>
+              <a:t>Pharmacokinetics of the drug regulates dosage forms, route</a:t>
+            </a:r>
+            <a:r>
+              <a:rPr lang="en-US" baseline="0" dirty="0" smtClean="0"/>
+              <a:t> of administration etc.</a:t>
+            </a:r>
+            <a:endParaRPr lang="en-US" dirty="0"/>
+          </a:p>
+        </p:txBody>
+      </p:sp>
+      <p:sp>
+        <p:nvSpPr>
+          <p:cNvPr id="4" name="Slide Number Placeholder 3"/>
+          <p:cNvSpPr>
+            <a:spLocks noGrp="1"/>
+          </p:cNvSpPr>
+          <p:nvPr>
+            <p:ph type="sldNum" sz="quarter" idx="10"/>
+          </p:nvPr>
+        </p:nvSpPr>
+        <p:spPr/>
+        <p:txBody>
+          <a:bodyPr/>
+          <a:lstStyle/>
+          <a:p>
+            <a:fld id="{FD2A2BEA-8C9D-497D-B359-4F5918B159B1}" type="slidenum">
+              <a:rPr lang="en-US" smtClean="0"/>
+              <a:t>32</a:t>
+            </a:fld>
+            <a:endParaRPr lang="en-US"/>
+          </a:p>
+        </p:txBody>
+      </p:sp>
+    </p:spTree>
+    <p:extLst>
+      <p:ext uri="{BB962C8B-B14F-4D97-AF65-F5344CB8AC3E}">
+        <p14:creationId xmlns:p14="http://schemas.microsoft.com/office/powerpoint/2010/main" val="3559659125"/>
+      </p:ext>
+    </p:extLst>
+  </p:cSld>
+  <p:clrMapOvr>
+    <a:masterClrMapping/>
+  </p:clrMapOvr>
+</p:notes>
+</file>
+
+<file path=ppt/notesSlides/notesSlide17.xml><?xml version="1.0" encoding="utf-8"?>
+<p:notes xmlns:a="http://schemas.openxmlformats.org/drawingml/2006/main" xmlns:r="http://schemas.openxmlformats.org/officeDocument/2006/relationships" xmlns:p="http://schemas.openxmlformats.org/presentationml/2006/main">
+  <p:cSld>
+    <p:spTree>
+      <p:nvGrpSpPr>
+        <p:cNvPr id="1" name=""/>
+        <p:cNvGrpSpPr/>
+        <p:nvPr/>
+      </p:nvGrpSpPr>
+      <p:grpSpPr>
+        <a:xfrm>
+          <a:off x="0" y="0"/>
+          <a:ext cx="0" cy="0"/>
+          <a:chOff x="0" y="0"/>
+          <a:chExt cx="0" cy="0"/>
+        </a:xfrm>
+      </p:grpSpPr>
+      <p:sp>
+        <p:nvSpPr>
+          <p:cNvPr id="2" name="Slide Image Placeholder 1"/>
+          <p:cNvSpPr>
+            <a:spLocks noGrp="1" noRot="1" noChangeAspect="1"/>
+          </p:cNvSpPr>
+          <p:nvPr>
+            <p:ph type="sldImg"/>
+          </p:nvPr>
+        </p:nvSpPr>
+        <p:spPr/>
+      </p:sp>
+      <p:sp>
+        <p:nvSpPr>
+          <p:cNvPr id="3" name="Notes Placeholder 2"/>
+          <p:cNvSpPr>
+            <a:spLocks noGrp="1"/>
+          </p:cNvSpPr>
+          <p:nvPr>
+            <p:ph type="body" idx="1"/>
+          </p:nvPr>
+        </p:nvSpPr>
+        <p:spPr/>
+        <p:txBody>
+          <a:bodyPr/>
+          <a:lstStyle/>
+          <a:p>
+            <a:r>
+              <a:rPr lang="en-US" dirty="0" smtClean="0"/>
+              <a:t>Pharmacodynamics discuss about Mode of Action, drug safety </a:t>
+            </a:r>
+            <a:r>
+              <a:rPr lang="en-US" dirty="0" err="1" smtClean="0"/>
+              <a:t>etc</a:t>
+            </a:r>
+            <a:r>
+              <a:rPr lang="en-US" dirty="0" smtClean="0"/>
+              <a:t> which is discussed now.</a:t>
+            </a:r>
+            <a:endParaRPr lang="en-US" dirty="0"/>
+          </a:p>
+        </p:txBody>
+      </p:sp>
+      <p:sp>
+        <p:nvSpPr>
+          <p:cNvPr id="4" name="Slide Number Placeholder 3"/>
+          <p:cNvSpPr>
+            <a:spLocks noGrp="1"/>
+          </p:cNvSpPr>
+          <p:nvPr>
+            <p:ph type="sldNum" sz="quarter" idx="10"/>
+          </p:nvPr>
+        </p:nvSpPr>
+        <p:spPr/>
+        <p:txBody>
+          <a:bodyPr/>
+          <a:lstStyle/>
+          <a:p>
+            <a:fld id="{FD2A2BEA-8C9D-497D-B359-4F5918B159B1}" type="slidenum">
+              <a:rPr lang="en-US" smtClean="0"/>
+              <a:t>35</a:t>
+            </a:fld>
+            <a:endParaRPr lang="en-US"/>
+          </a:p>
+        </p:txBody>
+      </p:sp>
+    </p:spTree>
+    <p:extLst>
+      <p:ext uri="{BB962C8B-B14F-4D97-AF65-F5344CB8AC3E}">
+        <p14:creationId xmlns:p14="http://schemas.microsoft.com/office/powerpoint/2010/main" val="1676546979"/>
+      </p:ext>
+    </p:extLst>
+  </p:cSld>
+  <p:clrMapOvr>
+    <a:masterClrMapping/>
+  </p:clrMapOvr>
+</p:notes>
+</file>
+
+<file path=ppt/notesSlides/notesSlide18.xml><?xml version="1.0" encoding="utf-8"?>
+<p:notes xmlns:a="http://schemas.openxmlformats.org/drawingml/2006/main" xmlns:r="http://schemas.openxmlformats.org/officeDocument/2006/relationships" xmlns:p="http://schemas.openxmlformats.org/presentationml/2006/main">
+  <p:cSld>
+    <p:spTree>
+      <p:nvGrpSpPr>
+        <p:cNvPr id="1" name=""/>
+        <p:cNvGrpSpPr/>
+        <p:nvPr/>
+      </p:nvGrpSpPr>
+      <p:grpSpPr>
+        <a:xfrm>
+          <a:off x="0" y="0"/>
+          <a:ext cx="0" cy="0"/>
+          <a:chOff x="0" y="0"/>
+          <a:chExt cx="0" cy="0"/>
+        </a:xfrm>
+      </p:grpSpPr>
+      <p:sp>
+        <p:nvSpPr>
+          <p:cNvPr id="2" name="Slide Image Placeholder 1"/>
+          <p:cNvSpPr>
+            <a:spLocks noGrp="1" noRot="1" noChangeAspect="1"/>
+          </p:cNvSpPr>
+          <p:nvPr>
+            <p:ph type="sldImg"/>
+          </p:nvPr>
+        </p:nvSpPr>
+        <p:spPr/>
+      </p:sp>
+      <p:sp>
+        <p:nvSpPr>
+          <p:cNvPr id="3" name="Notes Placeholder 2"/>
+          <p:cNvSpPr>
+            <a:spLocks noGrp="1"/>
+          </p:cNvSpPr>
+          <p:nvPr>
+            <p:ph type="body" idx="1"/>
+          </p:nvPr>
+        </p:nvSpPr>
+        <p:spPr/>
+        <p:txBody>
+          <a:bodyPr/>
+          <a:lstStyle/>
+          <a:p>
+            <a:r>
+              <a:rPr lang="en-US" dirty="0" smtClean="0"/>
+              <a:t>When</a:t>
+            </a:r>
+            <a:r>
+              <a:rPr lang="en-US" baseline="0" dirty="0" smtClean="0"/>
+              <a:t> drug works on protein , it works through different modes.</a:t>
+            </a:r>
+            <a:endParaRPr lang="en-US" dirty="0"/>
+          </a:p>
+        </p:txBody>
+      </p:sp>
+      <p:sp>
+        <p:nvSpPr>
+          <p:cNvPr id="4" name="Slide Number Placeholder 3"/>
+          <p:cNvSpPr>
+            <a:spLocks noGrp="1"/>
+          </p:cNvSpPr>
+          <p:nvPr>
+            <p:ph type="sldNum" sz="quarter" idx="10"/>
+          </p:nvPr>
+        </p:nvSpPr>
+        <p:spPr/>
+        <p:txBody>
+          <a:bodyPr/>
+          <a:lstStyle/>
+          <a:p>
+            <a:fld id="{FD2A2BEA-8C9D-497D-B359-4F5918B159B1}" type="slidenum">
+              <a:rPr lang="en-US" smtClean="0"/>
+              <a:t>38</a:t>
+            </a:fld>
+            <a:endParaRPr lang="en-US"/>
+          </a:p>
+        </p:txBody>
+      </p:sp>
+    </p:spTree>
+    <p:extLst>
+      <p:ext uri="{BB962C8B-B14F-4D97-AF65-F5344CB8AC3E}">
+        <p14:creationId xmlns:p14="http://schemas.microsoft.com/office/powerpoint/2010/main" val="39232258"/>
+      </p:ext>
+    </p:extLst>
+  </p:cSld>
+  <p:clrMapOvr>
+    <a:masterClrMapping/>
+  </p:clrMapOvr>
+</p:notes>
+</file>
+
+<file path=ppt/notesSlides/notesSlide19.xml><?xml version="1.0" encoding="utf-8"?>
+<p:notes xmlns:a="http://schemas.openxmlformats.org/drawingml/2006/main" xmlns:r="http://schemas.openxmlformats.org/officeDocument/2006/relationships" xmlns:p="http://schemas.openxmlformats.org/presentationml/2006/main">
+  <p:cSld>
+    <p:spTree>
+      <p:nvGrpSpPr>
+        <p:cNvPr id="1" name=""/>
+        <p:cNvGrpSpPr/>
+        <p:nvPr/>
+      </p:nvGrpSpPr>
+      <p:grpSpPr>
+        <a:xfrm>
+          <a:off x="0" y="0"/>
+          <a:ext cx="0" cy="0"/>
+          <a:chOff x="0" y="0"/>
+          <a:chExt cx="0" cy="0"/>
+        </a:xfrm>
+      </p:grpSpPr>
+      <p:sp>
+        <p:nvSpPr>
+          <p:cNvPr id="2" name="Slide Image Placeholder 1"/>
+          <p:cNvSpPr>
+            <a:spLocks noGrp="1" noRot="1" noChangeAspect="1"/>
+          </p:cNvSpPr>
+          <p:nvPr>
+            <p:ph type="sldImg"/>
+          </p:nvPr>
+        </p:nvSpPr>
+        <p:spPr/>
+      </p:sp>
+      <p:sp>
+        <p:nvSpPr>
+          <p:cNvPr id="3" name="Notes Placeholder 2"/>
+          <p:cNvSpPr>
+            <a:spLocks noGrp="1"/>
+          </p:cNvSpPr>
+          <p:nvPr>
+            <p:ph type="body" idx="1"/>
+          </p:nvPr>
+        </p:nvSpPr>
+        <p:spPr/>
+        <p:txBody>
+          <a:bodyPr/>
+          <a:lstStyle/>
+          <a:p>
+            <a:r>
+              <a:rPr lang="en-US" dirty="0" smtClean="0"/>
+              <a:t>Now, based on Mode of Actions , drugs are classified into different</a:t>
+            </a:r>
+            <a:r>
+              <a:rPr lang="en-US" baseline="0" dirty="0" smtClean="0"/>
+              <a:t> groups as mentioned in this slide.</a:t>
+            </a:r>
+            <a:endParaRPr lang="en-US" dirty="0"/>
+          </a:p>
+        </p:txBody>
+      </p:sp>
+      <p:sp>
+        <p:nvSpPr>
+          <p:cNvPr id="4" name="Slide Number Placeholder 3"/>
+          <p:cNvSpPr>
+            <a:spLocks noGrp="1"/>
+          </p:cNvSpPr>
+          <p:nvPr>
+            <p:ph type="sldNum" sz="quarter" idx="10"/>
+          </p:nvPr>
+        </p:nvSpPr>
+        <p:spPr/>
+        <p:txBody>
+          <a:bodyPr/>
+          <a:lstStyle/>
+          <a:p>
+            <a:fld id="{FD2A2BEA-8C9D-497D-B359-4F5918B159B1}" type="slidenum">
+              <a:rPr lang="en-US" smtClean="0"/>
+              <a:t>41</a:t>
+            </a:fld>
+            <a:endParaRPr lang="en-US"/>
+          </a:p>
+        </p:txBody>
+      </p:sp>
+    </p:spTree>
+    <p:extLst>
+      <p:ext uri="{BB962C8B-B14F-4D97-AF65-F5344CB8AC3E}">
+        <p14:creationId xmlns:p14="http://schemas.microsoft.com/office/powerpoint/2010/main" val="1948274162"/>
+      </p:ext>
+    </p:extLst>
+  </p:cSld>
+  <p:clrMapOvr>
+    <a:masterClrMapping/>
+  </p:clrMapOvr>
+</p:notes>
+</file>
+
+<file path=ppt/notesSlides/notesSlide2.xml><?xml version="1.0" encoding="utf-8"?>
+<p:notes xmlns:a="http://schemas.openxmlformats.org/drawingml/2006/main" xmlns:r="http://schemas.openxmlformats.org/officeDocument/2006/relationships" xmlns:p="http://schemas.openxmlformats.org/presentationml/2006/main">
+  <p:cSld>
+    <p:spTree>
+      <p:nvGrpSpPr>
+        <p:cNvPr id="1" name=""/>
+        <p:cNvGrpSpPr/>
+        <p:nvPr/>
+      </p:nvGrpSpPr>
+      <p:grpSpPr>
+        <a:xfrm>
+          <a:off x="0" y="0"/>
+          <a:ext cx="0" cy="0"/>
+          <a:chOff x="0" y="0"/>
+          <a:chExt cx="0" cy="0"/>
+        </a:xfrm>
+      </p:grpSpPr>
+      <p:sp>
+        <p:nvSpPr>
+          <p:cNvPr id="2" name="Slide Image Placeholder 1"/>
+          <p:cNvSpPr>
+            <a:spLocks noGrp="1" noRot="1" noChangeAspect="1"/>
+          </p:cNvSpPr>
+          <p:nvPr>
+            <p:ph type="sldImg"/>
+          </p:nvPr>
+        </p:nvSpPr>
+        <p:spPr/>
+      </p:sp>
+      <p:sp>
+        <p:nvSpPr>
+          <p:cNvPr id="3" name="Notes Placeholder 2"/>
+          <p:cNvSpPr>
+            <a:spLocks noGrp="1"/>
+          </p:cNvSpPr>
+          <p:nvPr>
+            <p:ph type="body" idx="1"/>
+          </p:nvPr>
+        </p:nvSpPr>
+        <p:spPr/>
+        <p:txBody>
+          <a:bodyPr/>
+          <a:lstStyle/>
+          <a:p>
+            <a:r>
+              <a:rPr lang="en-US" dirty="0" smtClean="0"/>
+              <a:t>Pharmacology is the study to know about drugs</a:t>
+            </a:r>
+            <a:endParaRPr lang="en-US" dirty="0"/>
+          </a:p>
+        </p:txBody>
+      </p:sp>
+      <p:sp>
+        <p:nvSpPr>
+          <p:cNvPr id="4" name="Slide Number Placeholder 3"/>
+          <p:cNvSpPr>
+            <a:spLocks noGrp="1"/>
+          </p:cNvSpPr>
+          <p:nvPr>
+            <p:ph type="sldNum" sz="quarter" idx="10"/>
+          </p:nvPr>
+        </p:nvSpPr>
+        <p:spPr/>
+        <p:txBody>
+          <a:bodyPr/>
+          <a:lstStyle/>
+          <a:p>
+            <a:fld id="{FD2A2BEA-8C9D-497D-B359-4F5918B159B1}" type="slidenum">
+              <a:rPr lang="en-US" smtClean="0"/>
+              <a:t>2</a:t>
+            </a:fld>
+            <a:endParaRPr lang="en-US"/>
+          </a:p>
+        </p:txBody>
+      </p:sp>
+    </p:spTree>
+    <p:extLst>
+      <p:ext uri="{BB962C8B-B14F-4D97-AF65-F5344CB8AC3E}">
+        <p14:creationId xmlns:p14="http://schemas.microsoft.com/office/powerpoint/2010/main" val="2365091120"/>
+      </p:ext>
+    </p:extLst>
+  </p:cSld>
+  <p:clrMapOvr>
+    <a:masterClrMapping/>
+  </p:clrMapOvr>
+</p:notes>
+</file>
+
+<file path=ppt/notesSlides/notesSlide20.xml><?xml version="1.0" encoding="utf-8"?>
+<p:notes xmlns:a="http://schemas.openxmlformats.org/drawingml/2006/main" xmlns:r="http://schemas.openxmlformats.org/officeDocument/2006/relationships" xmlns:p="http://schemas.openxmlformats.org/presentationml/2006/main">
+  <p:cSld>
+    <p:spTree>
+      <p:nvGrpSpPr>
+        <p:cNvPr id="1" name=""/>
+        <p:cNvGrpSpPr/>
+        <p:nvPr/>
+      </p:nvGrpSpPr>
+      <p:grpSpPr>
+        <a:xfrm>
+          <a:off x="0" y="0"/>
+          <a:ext cx="0" cy="0"/>
+          <a:chOff x="0" y="0"/>
+          <a:chExt cx="0" cy="0"/>
+        </a:xfrm>
+      </p:grpSpPr>
+      <p:sp>
+        <p:nvSpPr>
+          <p:cNvPr id="2" name="Slide Image Placeholder 1"/>
+          <p:cNvSpPr>
+            <a:spLocks noGrp="1" noRot="1" noChangeAspect="1"/>
+          </p:cNvSpPr>
+          <p:nvPr>
+            <p:ph type="sldImg"/>
+          </p:nvPr>
+        </p:nvSpPr>
+        <p:spPr/>
+      </p:sp>
+      <p:sp>
+        <p:nvSpPr>
+          <p:cNvPr id="3" name="Notes Placeholder 2"/>
+          <p:cNvSpPr>
+            <a:spLocks noGrp="1"/>
+          </p:cNvSpPr>
+          <p:nvPr>
+            <p:ph type="body" idx="1"/>
+          </p:nvPr>
+        </p:nvSpPr>
+        <p:spPr/>
+        <p:txBody>
+          <a:bodyPr/>
+          <a:lstStyle/>
+          <a:p>
+            <a:r>
+              <a:rPr lang="en-US" dirty="0" smtClean="0"/>
+              <a:t>Also, lets understand how drug</a:t>
+            </a:r>
+            <a:r>
+              <a:rPr lang="en-US" baseline="0" dirty="0" smtClean="0"/>
+              <a:t> works on Receptors.</a:t>
+            </a:r>
+            <a:endParaRPr lang="en-US" dirty="0"/>
+          </a:p>
+        </p:txBody>
+      </p:sp>
+      <p:sp>
+        <p:nvSpPr>
+          <p:cNvPr id="4" name="Slide Number Placeholder 3"/>
+          <p:cNvSpPr>
+            <a:spLocks noGrp="1"/>
+          </p:cNvSpPr>
+          <p:nvPr>
+            <p:ph type="sldNum" sz="quarter" idx="10"/>
+          </p:nvPr>
+        </p:nvSpPr>
+        <p:spPr/>
+        <p:txBody>
+          <a:bodyPr/>
+          <a:lstStyle/>
+          <a:p>
+            <a:fld id="{FD2A2BEA-8C9D-497D-B359-4F5918B159B1}" type="slidenum">
+              <a:rPr lang="en-US" smtClean="0"/>
+              <a:t>42</a:t>
+            </a:fld>
+            <a:endParaRPr lang="en-US"/>
+          </a:p>
+        </p:txBody>
+      </p:sp>
+    </p:spTree>
+    <p:extLst>
+      <p:ext uri="{BB962C8B-B14F-4D97-AF65-F5344CB8AC3E}">
+        <p14:creationId xmlns:p14="http://schemas.microsoft.com/office/powerpoint/2010/main" val="3591110794"/>
+      </p:ext>
+    </p:extLst>
+  </p:cSld>
+  <p:clrMapOvr>
+    <a:masterClrMapping/>
+  </p:clrMapOvr>
+</p:notes>
+</file>
+
+<file path=ppt/notesSlides/notesSlide21.xml><?xml version="1.0" encoding="utf-8"?>
+<p:notes xmlns:a="http://schemas.openxmlformats.org/drawingml/2006/main" xmlns:r="http://schemas.openxmlformats.org/officeDocument/2006/relationships" xmlns:p="http://schemas.openxmlformats.org/presentationml/2006/main">
+  <p:cSld>
+    <p:spTree>
+      <p:nvGrpSpPr>
+        <p:cNvPr id="1" name=""/>
+        <p:cNvGrpSpPr/>
+        <p:nvPr/>
+      </p:nvGrpSpPr>
+      <p:grpSpPr>
+        <a:xfrm>
+          <a:off x="0" y="0"/>
+          <a:ext cx="0" cy="0"/>
+          <a:chOff x="0" y="0"/>
+          <a:chExt cx="0" cy="0"/>
+        </a:xfrm>
+      </p:grpSpPr>
+      <p:sp>
+        <p:nvSpPr>
+          <p:cNvPr id="2" name="Slide Image Placeholder 1"/>
+          <p:cNvSpPr>
+            <a:spLocks noGrp="1" noRot="1" noChangeAspect="1"/>
+          </p:cNvSpPr>
+          <p:nvPr>
+            <p:ph type="sldImg"/>
+          </p:nvPr>
+        </p:nvSpPr>
+        <p:spPr/>
+      </p:sp>
+      <p:sp>
+        <p:nvSpPr>
+          <p:cNvPr id="3" name="Notes Placeholder 2"/>
+          <p:cNvSpPr>
+            <a:spLocks noGrp="1"/>
+          </p:cNvSpPr>
+          <p:nvPr>
+            <p:ph type="body" idx="1"/>
+          </p:nvPr>
+        </p:nvSpPr>
+        <p:spPr/>
+        <p:txBody>
+          <a:bodyPr/>
+          <a:lstStyle/>
+          <a:p>
+            <a:r>
+              <a:rPr lang="en-US" dirty="0" smtClean="0"/>
+              <a:t>After this , there are few reasons to be remembered which cause variability in drug response. Those are mentioned here.</a:t>
+            </a:r>
+            <a:endParaRPr lang="en-US" dirty="0"/>
+          </a:p>
+        </p:txBody>
+      </p:sp>
+      <p:sp>
+        <p:nvSpPr>
+          <p:cNvPr id="4" name="Slide Number Placeholder 3"/>
+          <p:cNvSpPr>
+            <a:spLocks noGrp="1"/>
+          </p:cNvSpPr>
+          <p:nvPr>
+            <p:ph type="sldNum" sz="quarter" idx="10"/>
+          </p:nvPr>
+        </p:nvSpPr>
+        <p:spPr/>
+        <p:txBody>
+          <a:bodyPr/>
+          <a:lstStyle/>
+          <a:p>
+            <a:fld id="{FD2A2BEA-8C9D-497D-B359-4F5918B159B1}" type="slidenum">
+              <a:rPr lang="en-US" smtClean="0"/>
+              <a:t>64</a:t>
+            </a:fld>
+            <a:endParaRPr lang="en-US"/>
+          </a:p>
+        </p:txBody>
+      </p:sp>
+    </p:spTree>
+    <p:extLst>
+      <p:ext uri="{BB962C8B-B14F-4D97-AF65-F5344CB8AC3E}">
+        <p14:creationId xmlns:p14="http://schemas.microsoft.com/office/powerpoint/2010/main" val="1609097634"/>
+      </p:ext>
+    </p:extLst>
+  </p:cSld>
+  <p:clrMapOvr>
+    <a:masterClrMapping/>
+  </p:clrMapOvr>
+</p:notes>
+</file>
+
+<file path=ppt/notesSlides/notesSlide22.xml><?xml version="1.0" encoding="utf-8"?>
+<p:notes xmlns:a="http://schemas.openxmlformats.org/drawingml/2006/main" xmlns:r="http://schemas.openxmlformats.org/officeDocument/2006/relationships" xmlns:p="http://schemas.openxmlformats.org/presentationml/2006/main">
+  <p:cSld>
+    <p:spTree>
+      <p:nvGrpSpPr>
+        <p:cNvPr id="1" name=""/>
+        <p:cNvGrpSpPr/>
+        <p:nvPr/>
+      </p:nvGrpSpPr>
+      <p:grpSpPr>
+        <a:xfrm>
+          <a:off x="0" y="0"/>
+          <a:ext cx="0" cy="0"/>
+          <a:chOff x="0" y="0"/>
+          <a:chExt cx="0" cy="0"/>
+        </a:xfrm>
+      </p:grpSpPr>
+      <p:sp>
+        <p:nvSpPr>
+          <p:cNvPr id="2" name="Slide Image Placeholder 1"/>
+          <p:cNvSpPr>
+            <a:spLocks noGrp="1" noRot="1" noChangeAspect="1"/>
+          </p:cNvSpPr>
+          <p:nvPr>
+            <p:ph type="sldImg"/>
+          </p:nvPr>
+        </p:nvSpPr>
+        <p:spPr/>
+      </p:sp>
+      <p:sp>
+        <p:nvSpPr>
+          <p:cNvPr id="3" name="Notes Placeholder 2"/>
+          <p:cNvSpPr>
+            <a:spLocks noGrp="1"/>
+          </p:cNvSpPr>
+          <p:nvPr>
+            <p:ph type="body" idx="1"/>
+          </p:nvPr>
+        </p:nvSpPr>
+        <p:spPr/>
+        <p:txBody>
+          <a:bodyPr/>
+          <a:lstStyle/>
+          <a:p>
+            <a:r>
+              <a:rPr lang="en-US" dirty="0" smtClean="0"/>
+              <a:t>Lastly , just to</a:t>
+            </a:r>
+            <a:r>
+              <a:rPr lang="en-US" baseline="0" dirty="0" smtClean="0"/>
+              <a:t> understand how Pharmacodynamics of a drug help to decide few key important factors of a drug </a:t>
+            </a:r>
+            <a:r>
+              <a:rPr lang="en-US" baseline="0" smtClean="0"/>
+              <a:t>during usage. </a:t>
+            </a:r>
+            <a:endParaRPr lang="en-US"/>
+          </a:p>
+        </p:txBody>
+      </p:sp>
+      <p:sp>
+        <p:nvSpPr>
+          <p:cNvPr id="4" name="Slide Number Placeholder 3"/>
+          <p:cNvSpPr>
+            <a:spLocks noGrp="1"/>
+          </p:cNvSpPr>
+          <p:nvPr>
+            <p:ph type="sldNum" sz="quarter" idx="10"/>
+          </p:nvPr>
+        </p:nvSpPr>
+        <p:spPr/>
+        <p:txBody>
+          <a:bodyPr/>
+          <a:lstStyle/>
+          <a:p>
+            <a:fld id="{FD2A2BEA-8C9D-497D-B359-4F5918B159B1}" type="slidenum">
+              <a:rPr lang="en-US" smtClean="0"/>
+              <a:t>66</a:t>
+            </a:fld>
+            <a:endParaRPr lang="en-US"/>
+          </a:p>
+        </p:txBody>
+      </p:sp>
+    </p:spTree>
+    <p:extLst>
+      <p:ext uri="{BB962C8B-B14F-4D97-AF65-F5344CB8AC3E}">
+        <p14:creationId xmlns:p14="http://schemas.microsoft.com/office/powerpoint/2010/main" val="1576508488"/>
+      </p:ext>
+    </p:extLst>
+  </p:cSld>
+  <p:clrMapOvr>
+    <a:masterClrMapping/>
+  </p:clrMapOvr>
+</p:notes>
+</file>
+
+<file path=ppt/notesSlides/notesSlide3.xml><?xml version="1.0" encoding="utf-8"?>
+<p:notes xmlns:a="http://schemas.openxmlformats.org/drawingml/2006/main" xmlns:r="http://schemas.openxmlformats.org/officeDocument/2006/relationships" xmlns:p="http://schemas.openxmlformats.org/presentationml/2006/main">
+  <p:cSld>
+    <p:spTree>
+      <p:nvGrpSpPr>
+        <p:cNvPr id="1" name=""/>
+        <p:cNvGrpSpPr/>
+        <p:nvPr/>
+      </p:nvGrpSpPr>
+      <p:grpSpPr>
+        <a:xfrm>
+          <a:off x="0" y="0"/>
+          <a:ext cx="0" cy="0"/>
+          <a:chOff x="0" y="0"/>
+          <a:chExt cx="0" cy="0"/>
+        </a:xfrm>
+      </p:grpSpPr>
+      <p:sp>
+        <p:nvSpPr>
+          <p:cNvPr id="2" name="Slide Image Placeholder 1"/>
+          <p:cNvSpPr>
+            <a:spLocks noGrp="1" noRot="1" noChangeAspect="1"/>
+          </p:cNvSpPr>
+          <p:nvPr>
+            <p:ph type="sldImg"/>
+          </p:nvPr>
+        </p:nvSpPr>
+        <p:spPr/>
+      </p:sp>
+      <p:sp>
+        <p:nvSpPr>
+          <p:cNvPr id="3" name="Notes Placeholder 2"/>
+          <p:cNvSpPr>
+            <a:spLocks noGrp="1"/>
+          </p:cNvSpPr>
+          <p:nvPr>
+            <p:ph type="body" idx="1"/>
+          </p:nvPr>
+        </p:nvSpPr>
+        <p:spPr/>
+        <p:txBody>
+          <a:bodyPr/>
+          <a:lstStyle/>
+          <a:p>
+            <a:r>
+              <a:rPr lang="en-US" dirty="0" smtClean="0"/>
+              <a:t>Here, the properties, actions &amp; uses of drugs are being discussed.</a:t>
+            </a:r>
+            <a:endParaRPr lang="en-US" dirty="0"/>
+          </a:p>
+        </p:txBody>
+      </p:sp>
+      <p:sp>
+        <p:nvSpPr>
+          <p:cNvPr id="4" name="Slide Number Placeholder 3"/>
+          <p:cNvSpPr>
+            <a:spLocks noGrp="1"/>
+          </p:cNvSpPr>
+          <p:nvPr>
+            <p:ph type="sldNum" sz="quarter" idx="10"/>
+          </p:nvPr>
+        </p:nvSpPr>
+        <p:spPr/>
+        <p:txBody>
+          <a:bodyPr/>
+          <a:lstStyle/>
+          <a:p>
+            <a:fld id="{FD2A2BEA-8C9D-497D-B359-4F5918B159B1}" type="slidenum">
+              <a:rPr lang="en-US" smtClean="0"/>
+              <a:t>3</a:t>
+            </a:fld>
+            <a:endParaRPr lang="en-US"/>
+          </a:p>
+        </p:txBody>
+      </p:sp>
+    </p:spTree>
+    <p:extLst>
+      <p:ext uri="{BB962C8B-B14F-4D97-AF65-F5344CB8AC3E}">
+        <p14:creationId xmlns:p14="http://schemas.microsoft.com/office/powerpoint/2010/main" val="2244850200"/>
+      </p:ext>
+    </p:extLst>
+  </p:cSld>
+  <p:clrMapOvr>
+    <a:masterClrMapping/>
+  </p:clrMapOvr>
+</p:notes>
+</file>
+
+<file path=ppt/notesSlides/notesSlide4.xml><?xml version="1.0" encoding="utf-8"?>
+<p:notes xmlns:a="http://schemas.openxmlformats.org/drawingml/2006/main" xmlns:r="http://schemas.openxmlformats.org/officeDocument/2006/relationships" xmlns:p="http://schemas.openxmlformats.org/presentationml/2006/main">
+  <p:cSld>
+    <p:spTree>
+      <p:nvGrpSpPr>
+        <p:cNvPr id="1" name=""/>
+        <p:cNvGrpSpPr/>
+        <p:nvPr/>
+      </p:nvGrpSpPr>
+      <p:grpSpPr>
+        <a:xfrm>
+          <a:off x="0" y="0"/>
+          <a:ext cx="0" cy="0"/>
+          <a:chOff x="0" y="0"/>
+          <a:chExt cx="0" cy="0"/>
+        </a:xfrm>
+      </p:grpSpPr>
+      <p:sp>
+        <p:nvSpPr>
+          <p:cNvPr id="2" name="Slide Image Placeholder 1"/>
+          <p:cNvSpPr>
+            <a:spLocks noGrp="1" noRot="1" noChangeAspect="1"/>
+          </p:cNvSpPr>
+          <p:nvPr>
+            <p:ph type="sldImg"/>
+          </p:nvPr>
+        </p:nvSpPr>
+        <p:spPr/>
+      </p:sp>
+      <p:sp>
+        <p:nvSpPr>
+          <p:cNvPr id="3" name="Notes Placeholder 2"/>
+          <p:cNvSpPr>
+            <a:spLocks noGrp="1"/>
+          </p:cNvSpPr>
+          <p:nvPr>
+            <p:ph type="body" idx="1"/>
+          </p:nvPr>
+        </p:nvSpPr>
+        <p:spPr/>
+        <p:txBody>
+          <a:bodyPr/>
+          <a:lstStyle/>
+          <a:p>
+            <a:r>
+              <a:rPr lang="en-US" dirty="0" smtClean="0"/>
+              <a:t>The basic 2 things about pharmacology is Pharmacokinetics and Pharmacodynamics. Pharmacokinetics discuss about what body does to the drug and Pharmacodynamics discuss what drug does to the body.</a:t>
+            </a:r>
+            <a:endParaRPr lang="en-US" dirty="0"/>
+          </a:p>
+        </p:txBody>
+      </p:sp>
+      <p:sp>
+        <p:nvSpPr>
+          <p:cNvPr id="4" name="Slide Number Placeholder 3"/>
+          <p:cNvSpPr>
+            <a:spLocks noGrp="1"/>
+          </p:cNvSpPr>
+          <p:nvPr>
+            <p:ph type="sldNum" sz="quarter" idx="10"/>
+          </p:nvPr>
+        </p:nvSpPr>
+        <p:spPr/>
+        <p:txBody>
+          <a:bodyPr/>
+          <a:lstStyle/>
+          <a:p>
+            <a:fld id="{FD2A2BEA-8C9D-497D-B359-4F5918B159B1}" type="slidenum">
+              <a:rPr lang="en-US" smtClean="0"/>
+              <a:t>5</a:t>
+            </a:fld>
+            <a:endParaRPr lang="en-US"/>
+          </a:p>
+        </p:txBody>
+      </p:sp>
+    </p:spTree>
+    <p:extLst>
+      <p:ext uri="{BB962C8B-B14F-4D97-AF65-F5344CB8AC3E}">
+        <p14:creationId xmlns:p14="http://schemas.microsoft.com/office/powerpoint/2010/main" val="2276030183"/>
+      </p:ext>
+    </p:extLst>
+  </p:cSld>
+  <p:clrMapOvr>
+    <a:masterClrMapping/>
+  </p:clrMapOvr>
+</p:notes>
+</file>
+
+<file path=ppt/notesSlides/notesSlide5.xml><?xml version="1.0" encoding="utf-8"?>
+<p:notes xmlns:a="http://schemas.openxmlformats.org/drawingml/2006/main" xmlns:r="http://schemas.openxmlformats.org/officeDocument/2006/relationships" xmlns:p="http://schemas.openxmlformats.org/presentationml/2006/main">
+  <p:cSld>
+    <p:spTree>
+      <p:nvGrpSpPr>
+        <p:cNvPr id="1" name=""/>
+        <p:cNvGrpSpPr/>
+        <p:nvPr/>
+      </p:nvGrpSpPr>
+      <p:grpSpPr>
+        <a:xfrm>
+          <a:off x="0" y="0"/>
+          <a:ext cx="0" cy="0"/>
+          <a:chOff x="0" y="0"/>
+          <a:chExt cx="0" cy="0"/>
+        </a:xfrm>
+      </p:grpSpPr>
+      <p:sp>
+        <p:nvSpPr>
+          <p:cNvPr id="2" name="Slide Image Placeholder 1"/>
+          <p:cNvSpPr>
+            <a:spLocks noGrp="1" noRot="1" noChangeAspect="1"/>
+          </p:cNvSpPr>
+          <p:nvPr>
+            <p:ph type="sldImg"/>
+          </p:nvPr>
+        </p:nvSpPr>
+        <p:spPr/>
+      </p:sp>
+      <p:sp>
+        <p:nvSpPr>
+          <p:cNvPr id="3" name="Notes Placeholder 2"/>
+          <p:cNvSpPr>
+            <a:spLocks noGrp="1"/>
+          </p:cNvSpPr>
+          <p:nvPr>
+            <p:ph type="body" idx="1"/>
+          </p:nvPr>
+        </p:nvSpPr>
+        <p:spPr/>
+        <p:txBody>
+          <a:bodyPr/>
+          <a:lstStyle/>
+          <a:p>
+            <a:r>
+              <a:rPr lang="en-US" dirty="0" smtClean="0"/>
+              <a:t>Lets discuss about the Drug , its dosage , source and different routes of administration.</a:t>
+            </a:r>
+            <a:endParaRPr lang="en-US" dirty="0"/>
+          </a:p>
+        </p:txBody>
+      </p:sp>
+      <p:sp>
+        <p:nvSpPr>
+          <p:cNvPr id="4" name="Slide Number Placeholder 3"/>
+          <p:cNvSpPr>
+            <a:spLocks noGrp="1"/>
+          </p:cNvSpPr>
+          <p:nvPr>
+            <p:ph type="sldNum" sz="quarter" idx="10"/>
+          </p:nvPr>
+        </p:nvSpPr>
+        <p:spPr/>
+        <p:txBody>
+          <a:bodyPr/>
+          <a:lstStyle/>
+          <a:p>
+            <a:fld id="{FD2A2BEA-8C9D-497D-B359-4F5918B159B1}" type="slidenum">
+              <a:rPr lang="en-US" smtClean="0"/>
+              <a:t>6</a:t>
+            </a:fld>
+            <a:endParaRPr lang="en-US"/>
+          </a:p>
+        </p:txBody>
+      </p:sp>
+    </p:spTree>
+    <p:extLst>
+      <p:ext uri="{BB962C8B-B14F-4D97-AF65-F5344CB8AC3E}">
+        <p14:creationId xmlns:p14="http://schemas.microsoft.com/office/powerpoint/2010/main" val="1657400433"/>
+      </p:ext>
+    </p:extLst>
+  </p:cSld>
+  <p:clrMapOvr>
+    <a:masterClrMapping/>
+  </p:clrMapOvr>
+</p:notes>
+</file>
+
+<file path=ppt/notesSlides/notesSlide6.xml><?xml version="1.0" encoding="utf-8"?>
+<p:notes xmlns:a="http://schemas.openxmlformats.org/drawingml/2006/main" xmlns:r="http://schemas.openxmlformats.org/officeDocument/2006/relationships" xmlns:p="http://schemas.openxmlformats.org/presentationml/2006/main">
+  <p:cSld>
+    <p:spTree>
+      <p:nvGrpSpPr>
+        <p:cNvPr id="1" name=""/>
+        <p:cNvGrpSpPr/>
+        <p:nvPr/>
+      </p:nvGrpSpPr>
+      <p:grpSpPr>
+        <a:xfrm>
+          <a:off x="0" y="0"/>
+          <a:ext cx="0" cy="0"/>
+          <a:chOff x="0" y="0"/>
+          <a:chExt cx="0" cy="0"/>
+        </a:xfrm>
+      </p:grpSpPr>
+      <p:sp>
+        <p:nvSpPr>
+          <p:cNvPr id="2" name="Slide Image Placeholder 1"/>
+          <p:cNvSpPr>
+            <a:spLocks noGrp="1" noRot="1" noChangeAspect="1"/>
+          </p:cNvSpPr>
+          <p:nvPr>
+            <p:ph type="sldImg"/>
+          </p:nvPr>
+        </p:nvSpPr>
+        <p:spPr/>
+      </p:sp>
+      <p:sp>
+        <p:nvSpPr>
+          <p:cNvPr id="3" name="Notes Placeholder 2"/>
+          <p:cNvSpPr>
+            <a:spLocks noGrp="1"/>
+          </p:cNvSpPr>
+          <p:nvPr>
+            <p:ph type="body" idx="1"/>
+          </p:nvPr>
+        </p:nvSpPr>
+        <p:spPr/>
+        <p:txBody>
+          <a:bodyPr/>
+          <a:lstStyle/>
+          <a:p>
+            <a:r>
+              <a:rPr lang="en-US" dirty="0" smtClean="0"/>
+              <a:t>Pharmacokinetics comprise</a:t>
+            </a:r>
+            <a:r>
+              <a:rPr lang="en-US" baseline="0" dirty="0" smtClean="0"/>
+              <a:t> of 4 steps mentioned here.</a:t>
+            </a:r>
+            <a:endParaRPr lang="en-US" dirty="0"/>
+          </a:p>
+        </p:txBody>
+      </p:sp>
+      <p:sp>
+        <p:nvSpPr>
+          <p:cNvPr id="4" name="Slide Number Placeholder 3"/>
+          <p:cNvSpPr>
+            <a:spLocks noGrp="1"/>
+          </p:cNvSpPr>
+          <p:nvPr>
+            <p:ph type="sldNum" sz="quarter" idx="10"/>
+          </p:nvPr>
+        </p:nvSpPr>
+        <p:spPr/>
+        <p:txBody>
+          <a:bodyPr/>
+          <a:lstStyle/>
+          <a:p>
+            <a:fld id="{FD2A2BEA-8C9D-497D-B359-4F5918B159B1}" type="slidenum">
+              <a:rPr lang="en-US" smtClean="0"/>
+              <a:t>11</a:t>
+            </a:fld>
+            <a:endParaRPr lang="en-US"/>
+          </a:p>
+        </p:txBody>
+      </p:sp>
+    </p:spTree>
+    <p:extLst>
+      <p:ext uri="{BB962C8B-B14F-4D97-AF65-F5344CB8AC3E}">
+        <p14:creationId xmlns:p14="http://schemas.microsoft.com/office/powerpoint/2010/main" val="2207971170"/>
+      </p:ext>
+    </p:extLst>
+  </p:cSld>
+  <p:clrMapOvr>
+    <a:masterClrMapping/>
+  </p:clrMapOvr>
+</p:notes>
+</file>
+
+<file path=ppt/notesSlides/notesSlide7.xml><?xml version="1.0" encoding="utf-8"?>
+<p:notes xmlns:a="http://schemas.openxmlformats.org/drawingml/2006/main" xmlns:r="http://schemas.openxmlformats.org/officeDocument/2006/relationships" xmlns:p="http://schemas.openxmlformats.org/presentationml/2006/main">
+  <p:cSld>
+    <p:spTree>
+      <p:nvGrpSpPr>
+        <p:cNvPr id="1" name=""/>
+        <p:cNvGrpSpPr/>
+        <p:nvPr/>
+      </p:nvGrpSpPr>
+      <p:grpSpPr>
+        <a:xfrm>
+          <a:off x="0" y="0"/>
+          <a:ext cx="0" cy="0"/>
+          <a:chOff x="0" y="0"/>
+          <a:chExt cx="0" cy="0"/>
+        </a:xfrm>
+      </p:grpSpPr>
+      <p:sp>
+        <p:nvSpPr>
+          <p:cNvPr id="2" name="Slide Image Placeholder 1"/>
+          <p:cNvSpPr>
+            <a:spLocks noGrp="1" noRot="1" noChangeAspect="1"/>
+          </p:cNvSpPr>
+          <p:nvPr>
+            <p:ph type="sldImg"/>
+          </p:nvPr>
+        </p:nvSpPr>
+        <p:spPr/>
+      </p:sp>
+      <p:sp>
+        <p:nvSpPr>
+          <p:cNvPr id="3" name="Notes Placeholder 2"/>
+          <p:cNvSpPr>
+            <a:spLocks noGrp="1"/>
+          </p:cNvSpPr>
+          <p:nvPr>
+            <p:ph type="body" idx="1"/>
+          </p:nvPr>
+        </p:nvSpPr>
+        <p:spPr/>
+        <p:txBody>
+          <a:bodyPr/>
+          <a:lstStyle/>
+          <a:p>
+            <a:endParaRPr lang="en-US" dirty="0"/>
+          </a:p>
+        </p:txBody>
+      </p:sp>
+      <p:sp>
+        <p:nvSpPr>
+          <p:cNvPr id="4" name="Slide Number Placeholder 3"/>
+          <p:cNvSpPr>
+            <a:spLocks noGrp="1"/>
+          </p:cNvSpPr>
+          <p:nvPr>
+            <p:ph type="sldNum" sz="quarter" idx="10"/>
+          </p:nvPr>
+        </p:nvSpPr>
+        <p:spPr/>
+        <p:txBody>
+          <a:bodyPr/>
+          <a:lstStyle/>
+          <a:p>
+            <a:fld id="{FD2A2BEA-8C9D-497D-B359-4F5918B159B1}" type="slidenum">
+              <a:rPr lang="en-US" smtClean="0"/>
+              <a:t>12</a:t>
+            </a:fld>
+            <a:endParaRPr lang="en-US"/>
+          </a:p>
+        </p:txBody>
+      </p:sp>
+    </p:spTree>
+    <p:extLst>
+      <p:ext uri="{BB962C8B-B14F-4D97-AF65-F5344CB8AC3E}">
+        <p14:creationId xmlns:p14="http://schemas.microsoft.com/office/powerpoint/2010/main" val="2754426885"/>
+      </p:ext>
+    </p:extLst>
+  </p:cSld>
+  <p:clrMapOvr>
+    <a:masterClrMapping/>
+  </p:clrMapOvr>
+</p:notes>
+</file>
+
+<file path=ppt/notesSlides/notesSlide8.xml><?xml version="1.0" encoding="utf-8"?>
+<p:notes xmlns:a="http://schemas.openxmlformats.org/drawingml/2006/main" xmlns:r="http://schemas.openxmlformats.org/officeDocument/2006/relationships" xmlns:p="http://schemas.openxmlformats.org/presentationml/2006/main">
+  <p:cSld>
+    <p:spTree>
+      <p:nvGrpSpPr>
+        <p:cNvPr id="1" name=""/>
+        <p:cNvGrpSpPr/>
+        <p:nvPr/>
+      </p:nvGrpSpPr>
+      <p:grpSpPr>
+        <a:xfrm>
+          <a:off x="0" y="0"/>
+          <a:ext cx="0" cy="0"/>
+          <a:chOff x="0" y="0"/>
+          <a:chExt cx="0" cy="0"/>
+        </a:xfrm>
+      </p:grpSpPr>
+      <p:sp>
+        <p:nvSpPr>
+          <p:cNvPr id="2" name="Slide Image Placeholder 1"/>
+          <p:cNvSpPr>
+            <a:spLocks noGrp="1" noRot="1" noChangeAspect="1"/>
+          </p:cNvSpPr>
+          <p:nvPr>
+            <p:ph type="sldImg"/>
+          </p:nvPr>
+        </p:nvSpPr>
+        <p:spPr/>
+      </p:sp>
+      <p:sp>
+        <p:nvSpPr>
+          <p:cNvPr id="3" name="Notes Placeholder 2"/>
+          <p:cNvSpPr>
+            <a:spLocks noGrp="1"/>
+          </p:cNvSpPr>
+          <p:nvPr>
+            <p:ph type="body" idx="1"/>
+          </p:nvPr>
+        </p:nvSpPr>
+        <p:spPr/>
+        <p:txBody>
+          <a:bodyPr/>
+          <a:lstStyle/>
+          <a:p>
+            <a:r>
+              <a:rPr lang="en-US" dirty="0" smtClean="0"/>
+              <a:t>Absorption is the process</a:t>
+            </a:r>
+            <a:r>
+              <a:rPr lang="en-US" baseline="0" dirty="0" smtClean="0"/>
+              <a:t> </a:t>
+            </a:r>
+            <a:r>
+              <a:rPr lang="en-US" dirty="0" smtClean="0"/>
+              <a:t>by which drug appears into the systemic circulation after administration.</a:t>
+            </a:r>
+            <a:endParaRPr lang="en-US" dirty="0"/>
+          </a:p>
+        </p:txBody>
+      </p:sp>
+      <p:sp>
+        <p:nvSpPr>
+          <p:cNvPr id="4" name="Slide Number Placeholder 3"/>
+          <p:cNvSpPr>
+            <a:spLocks noGrp="1"/>
+          </p:cNvSpPr>
+          <p:nvPr>
+            <p:ph type="sldNum" sz="quarter" idx="10"/>
+          </p:nvPr>
+        </p:nvSpPr>
+        <p:spPr/>
+        <p:txBody>
+          <a:bodyPr/>
+          <a:lstStyle/>
+          <a:p>
+            <a:fld id="{FD2A2BEA-8C9D-497D-B359-4F5918B159B1}" type="slidenum">
+              <a:rPr lang="en-US" smtClean="0"/>
+              <a:t>16</a:t>
+            </a:fld>
+            <a:endParaRPr lang="en-US"/>
+          </a:p>
+        </p:txBody>
+      </p:sp>
+    </p:spTree>
+    <p:extLst>
+      <p:ext uri="{BB962C8B-B14F-4D97-AF65-F5344CB8AC3E}">
+        <p14:creationId xmlns:p14="http://schemas.microsoft.com/office/powerpoint/2010/main" val="3261189996"/>
+      </p:ext>
+    </p:extLst>
+  </p:cSld>
+  <p:clrMapOvr>
+    <a:masterClrMapping/>
+  </p:clrMapOvr>
+</p:notes>
+</file>
+
+<file path=ppt/notesSlides/notesSlide9.xml><?xml version="1.0" encoding="utf-8"?>
+<p:notes xmlns:a="http://schemas.openxmlformats.org/drawingml/2006/main" xmlns:r="http://schemas.openxmlformats.org/officeDocument/2006/relationships" xmlns:p="http://schemas.openxmlformats.org/presentationml/2006/main">
+  <p:cSld>
+    <p:spTree>
+      <p:nvGrpSpPr>
+        <p:cNvPr id="1" name=""/>
+        <p:cNvGrpSpPr/>
+        <p:nvPr/>
+      </p:nvGrpSpPr>
+      <p:grpSpPr>
+        <a:xfrm>
+          <a:off x="0" y="0"/>
+          <a:ext cx="0" cy="0"/>
+          <a:chOff x="0" y="0"/>
+          <a:chExt cx="0" cy="0"/>
+        </a:xfrm>
+      </p:grpSpPr>
+      <p:sp>
+        <p:nvSpPr>
+          <p:cNvPr id="2" name="Slide Image Placeholder 1"/>
+          <p:cNvSpPr>
+            <a:spLocks noGrp="1" noRot="1" noChangeAspect="1"/>
+          </p:cNvSpPr>
+          <p:nvPr>
+            <p:ph type="sldImg"/>
+          </p:nvPr>
+        </p:nvSpPr>
+        <p:spPr/>
+      </p:sp>
+      <p:sp>
+        <p:nvSpPr>
+          <p:cNvPr id="3" name="Notes Placeholder 2"/>
+          <p:cNvSpPr>
+            <a:spLocks noGrp="1"/>
+          </p:cNvSpPr>
+          <p:nvPr>
+            <p:ph type="body" idx="1"/>
+          </p:nvPr>
+        </p:nvSpPr>
+        <p:spPr/>
+        <p:txBody>
+          <a:bodyPr/>
+          <a:lstStyle/>
+          <a:p>
+            <a:r>
+              <a:rPr lang="en-US" dirty="0" smtClean="0"/>
+              <a:t>Now absorption also happens through different modes.</a:t>
+            </a:r>
+            <a:endParaRPr lang="en-US" dirty="0"/>
+          </a:p>
+        </p:txBody>
+      </p:sp>
+      <p:sp>
+        <p:nvSpPr>
+          <p:cNvPr id="4" name="Slide Number Placeholder 3"/>
+          <p:cNvSpPr>
+            <a:spLocks noGrp="1"/>
+          </p:cNvSpPr>
+          <p:nvPr>
+            <p:ph type="sldNum" sz="quarter" idx="10"/>
+          </p:nvPr>
+        </p:nvSpPr>
+        <p:spPr/>
+        <p:txBody>
+          <a:bodyPr/>
+          <a:lstStyle/>
+          <a:p>
+            <a:fld id="{FD2A2BEA-8C9D-497D-B359-4F5918B159B1}" type="slidenum">
+              <a:rPr lang="en-US" smtClean="0"/>
+              <a:t>17</a:t>
+            </a:fld>
+            <a:endParaRPr lang="en-US"/>
+          </a:p>
+        </p:txBody>
+      </p:sp>
+    </p:spTree>
+    <p:extLst>
+      <p:ext uri="{BB962C8B-B14F-4D97-AF65-F5344CB8AC3E}">
+        <p14:creationId xmlns:p14="http://schemas.microsoft.com/office/powerpoint/2010/main" val="2572320572"/>
+      </p:ext>
+    </p:extLst>
+  </p:cSld>
+  <p:clrMapOvr>
+    <a:masterClrMapping/>
+  </p:clrMapOvr>
+</p:notes>
+</file>
+
 <file path=ppt/slideLayouts/slideLayout1.xml><?xml version="1.0" encoding="utf-8"?>
 <p:sldLayout xmlns:a="http://schemas.openxmlformats.org/drawingml/2006/main" xmlns:r="http://schemas.openxmlformats.org/officeDocument/2006/relationships" xmlns:p="http://schemas.openxmlformats.org/presentationml/2006/main" type="title" preserve="1">
   <p:cSld name="Title Slide">
@@ -719,7 +2731,7 @@
           <a:p>
             <a:fld id="{0EAC4AB9-A677-4A33-A88C-8A0AFE1E979E}" type="datetime1">
               <a:rPr lang="en-US" smtClean="0"/>
-              <a:t>10/19/2016</a:t>
+              <a:t>6/22/2017</a:t>
             </a:fld>
             <a:endParaRPr lang="en-US"/>
           </a:p>
@@ -945,7 +2957,7 @@
           <a:p>
             <a:fld id="{45DB0C39-1C8C-409E-8FDD-4BB11B6C552C}" type="datetime1">
               <a:rPr lang="en-US" smtClean="0"/>
-              <a:t>10/19/2016</a:t>
+              <a:t>6/22/2017</a:t>
             </a:fld>
             <a:endParaRPr lang="en-US"/>
           </a:p>
@@ -1120,7 +3132,7 @@
           <a:p>
             <a:fld id="{DABBB6FC-A390-4048-972D-75CCDD3AC207}" type="datetime1">
               <a:rPr lang="en-US" smtClean="0"/>
-              <a:t>10/19/2016</a:t>
+              <a:t>6/22/2017</a:t>
             </a:fld>
             <a:endParaRPr lang="en-US"/>
           </a:p>
@@ -1285,7 +3297,7 @@
           <a:p>
             <a:fld id="{9F263D96-B652-4F3B-A1DE-9407325F4448}" type="datetime1">
               <a:rPr lang="en-US" smtClean="0"/>
-              <a:t>10/19/2016</a:t>
+              <a:t>6/22/2017</a:t>
             </a:fld>
             <a:endParaRPr lang="en-US"/>
           </a:p>
@@ -1529,7 +3541,7 @@
           <a:p>
             <a:fld id="{3C15EF44-B94E-4BB4-8F3D-636E027E184A}" type="datetime1">
               <a:rPr lang="en-US" smtClean="0"/>
-              <a:t>10/19/2016</a:t>
+              <a:t>6/22/2017</a:t>
             </a:fld>
             <a:endParaRPr lang="en-US"/>
           </a:p>
@@ -1793,7 +3805,7 @@
           <a:p>
             <a:fld id="{78D781D3-9AE3-45F3-A3D8-5F703409D34F}" type="datetime1">
               <a:rPr lang="en-US" smtClean="0"/>
-              <a:t>10/19/2016</a:t>
+              <a:t>6/22/2017</a:t>
             </a:fld>
             <a:endParaRPr lang="en-US"/>
           </a:p>
@@ -2167,7 +4179,7 @@
           <a:p>
             <a:fld id="{9C6F3124-3B81-47DD-926C-624694409D59}" type="datetime1">
               <a:rPr lang="en-US" smtClean="0"/>
-              <a:t>10/19/2016</a:t>
+              <a:t>6/22/2017</a:t>
             </a:fld>
             <a:endParaRPr lang="en-US"/>
           </a:p>
@@ -2280,7 +4292,7 @@
           <a:p>
             <a:fld id="{2376C5F6-53A0-415E-AC99-D96DE202D35F}" type="datetime1">
               <a:rPr lang="en-US" smtClean="0"/>
-              <a:t>10/19/2016</a:t>
+              <a:t>6/22/2017</a:t>
             </a:fld>
             <a:endParaRPr lang="en-US"/>
           </a:p>
@@ -2370,7 +4382,7 @@
           <a:p>
             <a:fld id="{C35B7720-9CFD-4404-BCCE-73FB2929917F}" type="datetime1">
               <a:rPr lang="en-US" smtClean="0"/>
-              <a:t>10/19/2016</a:t>
+              <a:t>6/22/2017</a:t>
             </a:fld>
             <a:endParaRPr lang="en-US"/>
           </a:p>
@@ -2628,7 +4640,7 @@
           <a:p>
             <a:fld id="{92451088-421D-4CF1-BEFD-95633BE1E5E9}" type="datetime1">
               <a:rPr lang="en-US" smtClean="0"/>
-              <a:t>10/19/2016</a:t>
+              <a:t>6/22/2017</a:t>
             </a:fld>
             <a:endParaRPr lang="en-US"/>
           </a:p>
@@ -2892,7 +4904,7 @@
           <a:p>
             <a:fld id="{88547D84-FBD1-4055-B26A-7534AFDCA8BA}" type="datetime1">
               <a:rPr lang="en-US" smtClean="0"/>
-              <a:t>10/19/2016</a:t>
+              <a:t>6/22/2017</a:t>
             </a:fld>
             <a:endParaRPr lang="en-US"/>
           </a:p>
@@ -3109,7 +5121,7 @@
           <a:p>
             <a:fld id="{14047DDB-5107-405A-962D-827914A70528}" type="datetime1">
               <a:rPr lang="en-US" smtClean="0"/>
-              <a:t>10/19/2016</a:t>
+              <a:t>6/22/2017</a:t>
             </a:fld>
             <a:endParaRPr lang="en-US"/>
           </a:p>
@@ -3854,7 +5866,7 @@
           </p:nvPr>
         </p:nvPicPr>
         <p:blipFill>
-          <a:blip r:embed="rId2" cstate="print">
+          <a:blip r:embed="rId3" cstate="print">
             <a:extLst>
               <a:ext uri="{28A0092B-C50C-407E-A947-70E740481C1C}">
                 <a14:useLocalDpi xmlns:a14="http://schemas.microsoft.com/office/drawing/2010/main" val="0"/>
@@ -3989,7 +6001,7 @@
           </p:nvPr>
         </p:nvPicPr>
         <p:blipFill>
-          <a:blip r:embed="rId2">
+          <a:blip r:embed="rId3">
             <a:extLst>
               <a:ext uri="{28A0092B-C50C-407E-A947-70E740481C1C}">
                 <a14:useLocalDpi xmlns:a14="http://schemas.microsoft.com/office/drawing/2010/main" val="0"/>
@@ -4816,7 +6828,7 @@
           </p:nvPr>
         </p:nvPicPr>
         <p:blipFill>
-          <a:blip r:embed="rId2">
+          <a:blip r:embed="rId3">
             <a:extLst>
               <a:ext uri="{28A0092B-C50C-407E-A947-70E740481C1C}">
                 <a14:useLocalDpi xmlns:a14="http://schemas.microsoft.com/office/drawing/2010/main" val="0"/>
@@ -5159,7 +7171,7 @@
           </p:nvPr>
         </p:nvPicPr>
         <p:blipFill>
-          <a:blip r:embed="rId2">
+          <a:blip r:embed="rId3">
             <a:extLst>
               <a:ext uri="{28A0092B-C50C-407E-A947-70E740481C1C}">
                 <a14:useLocalDpi xmlns:a14="http://schemas.microsoft.com/office/drawing/2010/main" val="0"/>
